--- a/An Introduction to Microservices/An Introduction to Microservices.pptx
+++ b/An Introduction to Microservices/An Introduction to Microservices.pptx
@@ -144,7 +144,7 @@
   <pc:docChgLst>
     <pc:chgData name="shemal rathnasuriya" userId="e8bb0d295c9c231f" providerId="LiveId" clId="{DB59154A-76C7-4E63-995F-3F0439CF1DCB}"/>
     <pc:docChg chg="undo custSel addSld delSld modSld sldOrd">
-      <pc:chgData name="shemal rathnasuriya" userId="e8bb0d295c9c231f" providerId="LiveId" clId="{DB59154A-76C7-4E63-995F-3F0439CF1DCB}" dt="2021-07-18T22:16:23.298" v="5719" actId="255"/>
+      <pc:chgData name="shemal rathnasuriya" userId="e8bb0d295c9c231f" providerId="LiveId" clId="{DB59154A-76C7-4E63-995F-3F0439CF1DCB}" dt="2021-07-27T14:41:49.650" v="6077" actId="20577"/>
       <pc:docMkLst>
         <pc:docMk/>
       </pc:docMkLst>
@@ -269,6 +269,21 @@
         </pc:spChg>
       </pc:sldChg>
       <pc:sldChg chg="modSp mod">
+        <pc:chgData name="shemal rathnasuriya" userId="e8bb0d295c9c231f" providerId="LiveId" clId="{DB59154A-76C7-4E63-995F-3F0439CF1DCB}" dt="2021-07-27T14:41:49.650" v="6077" actId="20577"/>
+        <pc:sldMkLst>
+          <pc:docMk/>
+          <pc:sldMk cId="2689842457" sldId="268"/>
+        </pc:sldMkLst>
+        <pc:spChg chg="mod">
+          <ac:chgData name="shemal rathnasuriya" userId="e8bb0d295c9c231f" providerId="LiveId" clId="{DB59154A-76C7-4E63-995F-3F0439CF1DCB}" dt="2021-07-27T14:41:49.650" v="6077" actId="20577"/>
+          <ac:spMkLst>
+            <pc:docMk/>
+            <pc:sldMk cId="2689842457" sldId="268"/>
+            <ac:spMk id="3" creationId="{CA6EF91C-492F-43AB-95FE-76391F72695A}"/>
+          </ac:spMkLst>
+        </pc:spChg>
+      </pc:sldChg>
+      <pc:sldChg chg="modSp mod">
         <pc:chgData name="shemal rathnasuriya" userId="e8bb0d295c9c231f" providerId="LiveId" clId="{DB59154A-76C7-4E63-995F-3F0439CF1DCB}" dt="2021-07-18T21:56:02.027" v="4679" actId="207"/>
         <pc:sldMkLst>
           <pc:docMk/>
@@ -383,7 +398,7 @@
         </pc:spChg>
       </pc:sldChg>
       <pc:sldChg chg="modSp new mod">
-        <pc:chgData name="shemal rathnasuriya" userId="e8bb0d295c9c231f" providerId="LiveId" clId="{DB59154A-76C7-4E63-995F-3F0439CF1DCB}" dt="2021-07-18T20:25:48.660" v="2423" actId="207"/>
+        <pc:chgData name="shemal rathnasuriya" userId="e8bb0d295c9c231f" providerId="LiveId" clId="{DB59154A-76C7-4E63-995F-3F0439CF1DCB}" dt="2021-07-20T22:42:38.977" v="5812" actId="20577"/>
         <pc:sldMkLst>
           <pc:docMk/>
           <pc:sldMk cId="3390358329" sldId="274"/>
@@ -397,7 +412,7 @@
           </ac:spMkLst>
         </pc:spChg>
         <pc:spChg chg="mod">
-          <ac:chgData name="shemal rathnasuriya" userId="e8bb0d295c9c231f" providerId="LiveId" clId="{DB59154A-76C7-4E63-995F-3F0439CF1DCB}" dt="2021-07-18T20:25:34.010" v="2420" actId="5793"/>
+          <ac:chgData name="shemal rathnasuriya" userId="e8bb0d295c9c231f" providerId="LiveId" clId="{DB59154A-76C7-4E63-995F-3F0439CF1DCB}" dt="2021-07-20T22:42:38.977" v="5812" actId="20577"/>
           <ac:spMkLst>
             <pc:docMk/>
             <pc:sldMk cId="3390358329" sldId="274"/>
@@ -460,7 +475,7 @@
         </pc:picChg>
       </pc:sldChg>
       <pc:sldChg chg="modSp new mod">
-        <pc:chgData name="shemal rathnasuriya" userId="e8bb0d295c9c231f" providerId="LiveId" clId="{DB59154A-76C7-4E63-995F-3F0439CF1DCB}" dt="2021-07-18T21:00:00.355" v="2824" actId="20577"/>
+        <pc:chgData name="shemal rathnasuriya" userId="e8bb0d295c9c231f" providerId="LiveId" clId="{DB59154A-76C7-4E63-995F-3F0439CF1DCB}" dt="2021-07-18T22:32:47.293" v="5722" actId="20577"/>
         <pc:sldMkLst>
           <pc:docMk/>
           <pc:sldMk cId="2492951487" sldId="277"/>
@@ -474,7 +489,7 @@
           </ac:spMkLst>
         </pc:spChg>
         <pc:spChg chg="mod">
-          <ac:chgData name="shemal rathnasuriya" userId="e8bb0d295c9c231f" providerId="LiveId" clId="{DB59154A-76C7-4E63-995F-3F0439CF1DCB}" dt="2021-07-18T21:00:00.355" v="2824" actId="20577"/>
+          <ac:chgData name="shemal rathnasuriya" userId="e8bb0d295c9c231f" providerId="LiveId" clId="{DB59154A-76C7-4E63-995F-3F0439CF1DCB}" dt="2021-07-18T22:32:47.293" v="5722" actId="20577"/>
           <ac:spMkLst>
             <pc:docMk/>
             <pc:sldMk cId="2492951487" sldId="277"/>
@@ -567,7 +582,7 @@
         </pc:spChg>
       </pc:sldChg>
       <pc:sldChg chg="modSp new mod">
-        <pc:chgData name="shemal rathnasuriya" userId="e8bb0d295c9c231f" providerId="LiveId" clId="{DB59154A-76C7-4E63-995F-3F0439CF1DCB}" dt="2021-07-18T22:16:23.298" v="5719" actId="255"/>
+        <pc:chgData name="shemal rathnasuriya" userId="e8bb0d295c9c231f" providerId="LiveId" clId="{DB59154A-76C7-4E63-995F-3F0439CF1DCB}" dt="2021-07-27T14:22:25.330" v="5819" actId="27636"/>
         <pc:sldMkLst>
           <pc:docMk/>
           <pc:sldMk cId="4222695199" sldId="282"/>
@@ -581,7 +596,7 @@
           </ac:spMkLst>
         </pc:spChg>
         <pc:spChg chg="mod">
-          <ac:chgData name="shemal rathnasuriya" userId="e8bb0d295c9c231f" providerId="LiveId" clId="{DB59154A-76C7-4E63-995F-3F0439CF1DCB}" dt="2021-07-18T22:16:23.298" v="5719" actId="255"/>
+          <ac:chgData name="shemal rathnasuriya" userId="e8bb0d295c9c231f" providerId="LiveId" clId="{DB59154A-76C7-4E63-995F-3F0439CF1DCB}" dt="2021-07-27T14:22:25.330" v="5819" actId="27636"/>
           <ac:spMkLst>
             <pc:docMk/>
             <pc:sldMk cId="4222695199" sldId="282"/>
@@ -843,7 +858,7 @@
           <a:p>
             <a:fld id="{4AAD347D-5ACD-4C99-B74B-A9C85AD731AF}" type="datetimeFigureOut">
               <a:rPr lang="en-US" smtClean="0"/>
-              <a:t>7/18/2021</a:t>
+              <a:t>7/27/2021</a:t>
             </a:fld>
             <a:endParaRPr lang="en-US" dirty="0"/>
           </a:p>
@@ -1051,7 +1066,7 @@
           <a:p>
             <a:fld id="{4509A250-FF31-4206-8172-F9D3106AACB1}" type="datetimeFigureOut">
               <a:rPr lang="en-US" smtClean="0"/>
-              <a:t>7/18/2021</a:t>
+              <a:t>7/27/2021</a:t>
             </a:fld>
             <a:endParaRPr lang="en-US" dirty="0"/>
           </a:p>
@@ -1307,7 +1322,7 @@
           <a:p>
             <a:fld id="{4509A250-FF31-4206-8172-F9D3106AACB1}" type="datetimeFigureOut">
               <a:rPr lang="en-US" smtClean="0"/>
-              <a:t>7/18/2021</a:t>
+              <a:t>7/27/2021</a:t>
             </a:fld>
             <a:endParaRPr lang="en-US" dirty="0"/>
           </a:p>
@@ -1481,7 +1496,7 @@
           <a:p>
             <a:fld id="{4509A250-FF31-4206-8172-F9D3106AACB1}" type="datetimeFigureOut">
               <a:rPr lang="en-US" smtClean="0"/>
-              <a:t>7/18/2021</a:t>
+              <a:t>7/27/2021</a:t>
             </a:fld>
             <a:endParaRPr lang="en-US" dirty="0"/>
           </a:p>
@@ -1824,7 +1839,7 @@
           <a:p>
             <a:fld id="{9796027F-7875-4030-9381-8BD8C4F21935}" type="datetimeFigureOut">
               <a:rPr lang="en-US" smtClean="0"/>
-              <a:t>7/18/2021</a:t>
+              <a:t>7/27/2021</a:t>
             </a:fld>
             <a:endParaRPr lang="en-US" dirty="0"/>
           </a:p>
@@ -2099,7 +2114,7 @@
           <a:p>
             <a:fld id="{9796027F-7875-4030-9381-8BD8C4F21935}" type="datetimeFigureOut">
               <a:rPr lang="en-US" smtClean="0"/>
-              <a:t>7/18/2021</a:t>
+              <a:t>7/27/2021</a:t>
             </a:fld>
             <a:endParaRPr lang="en-US" dirty="0"/>
           </a:p>
@@ -2478,7 +2493,7 @@
           <a:p>
             <a:fld id="{9796027F-7875-4030-9381-8BD8C4F21935}" type="datetimeFigureOut">
               <a:rPr lang="en-US" smtClean="0"/>
-              <a:t>7/18/2021</a:t>
+              <a:t>7/27/2021</a:t>
             </a:fld>
             <a:endParaRPr lang="en-US" dirty="0"/>
           </a:p>
@@ -2596,7 +2611,7 @@
           <a:p>
             <a:fld id="{4509A250-FF31-4206-8172-F9D3106AACB1}" type="datetimeFigureOut">
               <a:rPr lang="en-US" smtClean="0"/>
-              <a:t>7/18/2021</a:t>
+              <a:t>7/27/2021</a:t>
             </a:fld>
             <a:endParaRPr lang="en-US" dirty="0"/>
           </a:p>
@@ -2767,7 +2782,7 @@
           <a:p>
             <a:fld id="{4509A250-FF31-4206-8172-F9D3106AACB1}" type="datetimeFigureOut">
               <a:rPr lang="en-US" smtClean="0"/>
-              <a:t>7/18/2021</a:t>
+              <a:t>7/27/2021</a:t>
             </a:fld>
             <a:endParaRPr lang="en-US" dirty="0"/>
           </a:p>
@@ -3121,7 +3136,7 @@
           <a:p>
             <a:fld id="{4509A250-FF31-4206-8172-F9D3106AACB1}" type="datetimeFigureOut">
               <a:rPr lang="en-US" smtClean="0"/>
-              <a:t>7/18/2021</a:t>
+              <a:t>7/27/2021</a:t>
             </a:fld>
             <a:endParaRPr lang="en-US" dirty="0"/>
           </a:p>
@@ -3503,7 +3518,7 @@
           <a:p>
             <a:fld id="{4509A250-FF31-4206-8172-F9D3106AACB1}" type="datetimeFigureOut">
               <a:rPr lang="en-US" smtClean="0"/>
-              <a:t>7/18/2021</a:t>
+              <a:t>7/27/2021</a:t>
             </a:fld>
             <a:endParaRPr lang="en-US" dirty="0"/>
           </a:p>
@@ -3790,7 +3805,7 @@
           <a:p>
             <a:fld id="{4AAD347D-5ACD-4C99-B74B-A9C85AD731AF}" type="datetimeFigureOut">
               <a:rPr lang="en-US" smtClean="0"/>
-              <a:t>7/18/2021</a:t>
+              <a:t>7/27/2021</a:t>
             </a:fld>
             <a:endParaRPr lang="en-US" dirty="0"/>
           </a:p>
@@ -6076,6 +6091,98 @@
               <a:t>                                     Component testing. </a:t>
             </a:r>
           </a:p>
+          <a:p>
+            <a:pPr>
+              <a:buFont typeface="Wingdings" panose="05000000000000000000" pitchFamily="2" charset="2"/>
+              <a:buChar char="§"/>
+            </a:pPr>
+            <a:r>
+              <a:rPr lang="en-US" dirty="0">
+                <a:latin typeface="Times New Roman" panose="02020603050405020304" pitchFamily="18" charset="0"/>
+                <a:cs typeface="Times New Roman" panose="02020603050405020304" pitchFamily="18" charset="0"/>
+              </a:rPr>
+              <a:t>Fuzz Testing for JVM based web applications[7]: </a:t>
+            </a:r>
+            <a:br>
+              <a:rPr lang="en-US" dirty="0">
+                <a:latin typeface="Times New Roman" panose="02020603050405020304" pitchFamily="18" charset="0"/>
+                <a:cs typeface="Times New Roman" panose="02020603050405020304" pitchFamily="18" charset="0"/>
+              </a:rPr>
+            </a:br>
+            <a:r>
+              <a:rPr lang="en-US" dirty="0">
+                <a:latin typeface="Times New Roman" panose="02020603050405020304" pitchFamily="18" charset="0"/>
+                <a:cs typeface="Times New Roman" panose="02020603050405020304" pitchFamily="18" charset="0"/>
+              </a:rPr>
+              <a:t>	1. Pick your target</a:t>
+            </a:r>
+            <a:br>
+              <a:rPr lang="en-US" dirty="0">
+                <a:latin typeface="Times New Roman" panose="02020603050405020304" pitchFamily="18" charset="0"/>
+                <a:cs typeface="Times New Roman" panose="02020603050405020304" pitchFamily="18" charset="0"/>
+              </a:rPr>
+            </a:br>
+            <a:r>
+              <a:rPr lang="en-US" dirty="0">
+                <a:latin typeface="Times New Roman" panose="02020603050405020304" pitchFamily="18" charset="0"/>
+                <a:cs typeface="Times New Roman" panose="02020603050405020304" pitchFamily="18" charset="0"/>
+              </a:rPr>
+              <a:t>	2. Enable your web service for fuzzing </a:t>
+            </a:r>
+            <a:br>
+              <a:rPr lang="en-US" dirty="0">
+                <a:latin typeface="Times New Roman" panose="02020603050405020304" pitchFamily="18" charset="0"/>
+                <a:cs typeface="Times New Roman" panose="02020603050405020304" pitchFamily="18" charset="0"/>
+              </a:rPr>
+            </a:br>
+            <a:r>
+              <a:rPr lang="en-US" dirty="0">
+                <a:latin typeface="Times New Roman" panose="02020603050405020304" pitchFamily="18" charset="0"/>
+                <a:cs typeface="Times New Roman" panose="02020603050405020304" pitchFamily="18" charset="0"/>
+              </a:rPr>
+              <a:t>	3. Configure the fuzz test</a:t>
+            </a:r>
+            <a:br>
+              <a:rPr lang="en-US" dirty="0">
+                <a:latin typeface="Times New Roman" panose="02020603050405020304" pitchFamily="18" charset="0"/>
+                <a:cs typeface="Times New Roman" panose="02020603050405020304" pitchFamily="18" charset="0"/>
+              </a:rPr>
+            </a:br>
+            <a:r>
+              <a:rPr lang="en-US" dirty="0">
+                <a:latin typeface="Times New Roman" panose="02020603050405020304" pitchFamily="18" charset="0"/>
+                <a:cs typeface="Times New Roman" panose="02020603050405020304" pitchFamily="18" charset="0"/>
+              </a:rPr>
+              <a:t>	4. Add HTTP request to get </a:t>
+            </a:r>
+            <a:r>
+              <a:rPr lang="en-US" dirty="0" err="1">
+                <a:latin typeface="Times New Roman" panose="02020603050405020304" pitchFamily="18" charset="0"/>
+                <a:cs typeface="Times New Roman" panose="02020603050405020304" pitchFamily="18" charset="0"/>
+              </a:rPr>
+              <a:t>Fuzzer</a:t>
+            </a:r>
+            <a:r>
+              <a:rPr lang="en-US" dirty="0">
+                <a:latin typeface="Times New Roman" panose="02020603050405020304" pitchFamily="18" charset="0"/>
+                <a:cs typeface="Times New Roman" panose="02020603050405020304" pitchFamily="18" charset="0"/>
+              </a:rPr>
+              <a:t> started. </a:t>
+            </a:r>
+            <a:br>
+              <a:rPr lang="en-US" dirty="0">
+                <a:latin typeface="Times New Roman" panose="02020603050405020304" pitchFamily="18" charset="0"/>
+                <a:cs typeface="Times New Roman" panose="02020603050405020304" pitchFamily="18" charset="0"/>
+              </a:rPr>
+            </a:br>
+            <a:r>
+              <a:rPr lang="en-US" dirty="0">
+                <a:latin typeface="Times New Roman" panose="02020603050405020304" pitchFamily="18" charset="0"/>
+                <a:cs typeface="Times New Roman" panose="02020603050405020304" pitchFamily="18" charset="0"/>
+              </a:rPr>
+              <a:t>	5. Wait until all the bugs have been collected. </a:t>
+            </a:r>
+          </a:p>
         </p:txBody>
       </p:sp>
     </p:spTree>
@@ -6179,7 +6286,9 @@
         </p:nvSpPr>
         <p:spPr/>
         <p:txBody>
-          <a:bodyPr/>
+          <a:bodyPr>
+            <a:normAutofit fontScale="92500" lnSpcReduction="10000"/>
+          </a:bodyPr>
           <a:lstStyle/>
           <a:p>
             <a:pPr>
@@ -6255,7 +6364,7 @@
                 <a:latin typeface="Times New Roman" panose="02020603050405020304" pitchFamily="18" charset="0"/>
                 <a:cs typeface="Times New Roman" panose="02020603050405020304" pitchFamily="18" charset="0"/>
               </a:rPr>
-              <a:t>Advantages: </a:t>
+              <a:t>Advantages at the early stages of development: </a:t>
             </a:r>
             <a:br>
               <a:rPr lang="en-US" b="0" i="0" dirty="0">
@@ -6341,6 +6450,41 @@
               </a:rPr>
               <a:t>	-Simple to scale horizontally.</a:t>
             </a:r>
+          </a:p>
+          <a:p>
+            <a:pPr>
+              <a:buFont typeface="Wingdings" panose="05000000000000000000" pitchFamily="2" charset="2"/>
+              <a:buChar char="§"/>
+            </a:pPr>
+            <a:r>
+              <a:rPr lang="en-US" sz="2200" dirty="0">
+                <a:solidFill>
+                  <a:srgbClr val="333333"/>
+                </a:solidFill>
+                <a:latin typeface="Times New Roman" panose="02020603050405020304" pitchFamily="18" charset="0"/>
+                <a:cs typeface="Times New Roman" panose="02020603050405020304" pitchFamily="18" charset="0"/>
+              </a:rPr>
+              <a:t>O</a:t>
+            </a:r>
+            <a:r>
+              <a:rPr lang="en-US" sz="2200" b="0" i="0" dirty="0">
+                <a:solidFill>
+                  <a:srgbClr val="333333"/>
+                </a:solidFill>
+                <a:effectLst/>
+                <a:latin typeface="Times New Roman" panose="02020603050405020304" pitchFamily="18" charset="0"/>
+                <a:cs typeface="Times New Roman" panose="02020603050405020304" pitchFamily="18" charset="0"/>
+              </a:rPr>
+              <a:t>nce the application becomes large and complex, this approach has a number of drawbacks </a:t>
+            </a:r>
+            <a:endParaRPr lang="en-US" sz="2200" b="0" i="0" dirty="0">
+              <a:solidFill>
+                <a:schemeClr val="tx1"/>
+              </a:solidFill>
+              <a:effectLst/>
+              <a:latin typeface="Times New Roman" panose="02020603050405020304" pitchFamily="18" charset="0"/>
+              <a:cs typeface="Times New Roman" panose="02020603050405020304" pitchFamily="18" charset="0"/>
+            </a:endParaRPr>
           </a:p>
           <a:p>
             <a:pPr marL="0" indent="0">
@@ -8241,11 +8385,30 @@
               <a:t>https://www.talend.com/resources/microservices-vs-soa/</a:t>
             </a:r>
             <a:endParaRPr lang="en-US" dirty="0">
+              <a:effectLst/>
               <a:latin typeface="Times New Roman" panose="02020603050405020304" pitchFamily="18" charset="0"/>
               <a:cs typeface="Times New Roman" panose="02020603050405020304" pitchFamily="18" charset="0"/>
             </a:endParaRPr>
           </a:p>
           <a:p>
+            <a:pPr marL="457200" indent="-457200">
+              <a:buFont typeface="+mj-lt"/>
+              <a:buAutoNum type="arabicPeriod"/>
+            </a:pPr>
+            <a:r>
+              <a:rPr lang="en-US" dirty="0">
+                <a:latin typeface="Times New Roman" panose="02020603050405020304" pitchFamily="18" charset="0"/>
+                <a:cs typeface="Times New Roman" panose="02020603050405020304" pitchFamily="18" charset="0"/>
+                <a:hlinkClick r:id="rId8"/>
+              </a:rPr>
+              <a:t>https://blog.code-intelligence.com/fuzzing-microservices-in-5-steps</a:t>
+            </a:r>
+            <a:endParaRPr lang="en-US" dirty="0">
+              <a:latin typeface="Times New Roman" panose="02020603050405020304" pitchFamily="18" charset="0"/>
+              <a:cs typeface="Times New Roman" panose="02020603050405020304" pitchFamily="18" charset="0"/>
+            </a:endParaRPr>
+          </a:p>
+          <a:p>
             <a:pPr marL="0" indent="0">
               <a:buNone/>
             </a:pPr>
@@ -8269,7 +8432,7 @@
                 <a:effectLst/>
                 <a:latin typeface="Times New Roman" panose="02020603050405020304" pitchFamily="18" charset="0"/>
                 <a:cs typeface="Times New Roman" panose="02020603050405020304" pitchFamily="18" charset="0"/>
-                <a:hlinkClick r:id="rId8"/>
+                <a:hlinkClick r:id="rId9"/>
               </a:rPr>
               <a:t>https://www.youtube.com/watch?v=tuJqH3AV0e8&amp;t=10053s</a:t>
             </a:r>
@@ -9452,7 +9615,7 @@
                 <a:latin typeface="Times New Roman" panose="02020603050405020304" pitchFamily="18" charset="0"/>
                 <a:cs typeface="Times New Roman" panose="02020603050405020304" pitchFamily="18" charset="0"/>
               </a:rPr>
-              <a:t> Each module is considerably smaller than a monolithic application, and can be deployed to serve different purposes in an enterprise. </a:t>
+              <a:t> Each module is considerably smaller than a monolithic application, and can be deployed to serve different purposes in an enterprise. [6]</a:t>
             </a:r>
           </a:p>
           <a:p>

--- a/An Introduction to Microservices/An Introduction to Microservices.pptx
+++ b/An Introduction to Microservices/An Introduction to Microservices.pptx
@@ -144,7 +144,7 @@
   <pc:docChgLst>
     <pc:chgData name="shemal rathnasuriya" userId="e8bb0d295c9c231f" providerId="LiveId" clId="{DB59154A-76C7-4E63-995F-3F0439CF1DCB}"/>
     <pc:docChg chg="undo custSel addSld delSld modSld sldOrd">
-      <pc:chgData name="shemal rathnasuriya" userId="e8bb0d295c9c231f" providerId="LiveId" clId="{DB59154A-76C7-4E63-995F-3F0439CF1DCB}" dt="2021-07-27T14:41:49.650" v="6077" actId="20577"/>
+      <pc:chgData name="shemal rathnasuriya" userId="e8bb0d295c9c231f" providerId="LiveId" clId="{DB59154A-76C7-4E63-995F-3F0439CF1DCB}" dt="2021-07-27T15:26:32.147" v="6081" actId="20577"/>
       <pc:docMkLst>
         <pc:docMk/>
       </pc:docMkLst>
@@ -194,13 +194,13 @@
         </pc:spChg>
       </pc:sldChg>
       <pc:sldChg chg="modSp mod">
-        <pc:chgData name="shemal rathnasuriya" userId="e8bb0d295c9c231f" providerId="LiveId" clId="{DB59154A-76C7-4E63-995F-3F0439CF1DCB}" dt="2021-07-18T21:18:01.947" v="3000" actId="20577"/>
+        <pc:chgData name="shemal rathnasuriya" userId="e8bb0d295c9c231f" providerId="LiveId" clId="{DB59154A-76C7-4E63-995F-3F0439CF1DCB}" dt="2021-07-27T15:26:32.147" v="6081" actId="20577"/>
         <pc:sldMkLst>
           <pc:docMk/>
           <pc:sldMk cId="963475254" sldId="262"/>
         </pc:sldMkLst>
         <pc:spChg chg="mod">
-          <ac:chgData name="shemal rathnasuriya" userId="e8bb0d295c9c231f" providerId="LiveId" clId="{DB59154A-76C7-4E63-995F-3F0439CF1DCB}" dt="2021-07-18T21:18:01.947" v="3000" actId="20577"/>
+          <ac:chgData name="shemal rathnasuriya" userId="e8bb0d295c9c231f" providerId="LiveId" clId="{DB59154A-76C7-4E63-995F-3F0439CF1DCB}" dt="2021-07-27T15:26:32.147" v="6081" actId="20577"/>
           <ac:spMkLst>
             <pc:docMk/>
             <pc:sldMk cId="963475254" sldId="262"/>
@@ -5199,7 +5199,21 @@
                 <a:latin typeface="Times New Roman" panose="02020603050405020304" pitchFamily="18" charset="0"/>
                 <a:cs typeface="Times New Roman" panose="02020603050405020304" pitchFamily="18" charset="0"/>
               </a:rPr>
-              <a:t>Services must interact using an inter-process communication protocol such as HTTP, AMQP, and PRC. </a:t>
+              <a:t>Services must interact using an inter-process communication protocol such as HTTP, AMQP, </a:t>
+            </a:r>
+            <a:r>
+              <a:rPr lang="en-US">
+                <a:latin typeface="Times New Roman" panose="02020603050405020304" pitchFamily="18" charset="0"/>
+                <a:cs typeface="Times New Roman" panose="02020603050405020304" pitchFamily="18" charset="0"/>
+              </a:rPr>
+              <a:t>and RPC</a:t>
+            </a:r>
+            <a:r>
+              <a:rPr lang="en-US" dirty="0">
+                <a:latin typeface="Times New Roman" panose="02020603050405020304" pitchFamily="18" charset="0"/>
+                <a:cs typeface="Times New Roman" panose="02020603050405020304" pitchFamily="18" charset="0"/>
+              </a:rPr>
+              <a:t>. </a:t>
             </a:r>
           </a:p>
           <a:p>
